--- a/it.unibo.issLabStart/userDocs/Legenda.pptx
+++ b/it.unibo.issLabStart/userDocs/Legenda.pptx
@@ -8,6 +8,7 @@
     <p:sldId id="268" r:id="rId2"/>
     <p:sldId id="359" r:id="rId3"/>
     <p:sldId id="269" r:id="rId4"/>
+    <p:sldId id="364" r:id="rId5"/>
   </p:sldIdLst>
   <p:sldSz cx="12192000" cy="6858000"/>
   <p:notesSz cx="6858000" cy="9144000"/>
@@ -1449,7 +1450,7 @@
             <a:fld id="{E1625027-F480-45BE-98EB-E4ABD50F7C43}" type="datetime1">
               <a:rPr lang="en-US"/>
               <a:pPr lvl="0"/>
-              <a:t>2/21/2021</a:t>
+              <a:t>3/8/2021</a:t>
             </a:fld>
             <a:endParaRPr lang="en-US"/>
           </a:p>
@@ -1512,7 +1513,7 @@
           <a:p>
             <a:pPr lvl="0"/>
             <a:fld id="{FEBEED23-3CB0-4314-8E77-F77AE33DDC27}" type="slidenum">
-              <a:t>‹#›</a:t>
+              <a:t>‹N›</a:t>
             </a:fld>
             <a:endParaRPr lang="en-US"/>
           </a:p>
@@ -1654,7 +1655,7 @@
             <a:fld id="{2B127D2E-5ADA-4DDC-9F1A-AD6A016AA88A}" type="datetime1">
               <a:rPr lang="en-US"/>
               <a:pPr lvl="0"/>
-              <a:t>2/21/2021</a:t>
+              <a:t>3/8/2021</a:t>
             </a:fld>
             <a:endParaRPr lang="en-US"/>
           </a:p>
@@ -1717,7 +1718,7 @@
           <a:p>
             <a:pPr lvl="0"/>
             <a:fld id="{C85F89E6-E841-433D-9226-E1980481D595}" type="slidenum">
-              <a:t>‹#›</a:t>
+              <a:t>‹N›</a:t>
             </a:fld>
             <a:endParaRPr lang="en-US"/>
           </a:p>
@@ -1904,7 +1905,7 @@
             <a:fld id="{DC8D2D60-A35A-4E29-90AF-F462F3828E68}" type="datetime1">
               <a:rPr lang="en-US"/>
               <a:pPr lvl="0"/>
-              <a:t>2/21/2021</a:t>
+              <a:t>3/8/2021</a:t>
             </a:fld>
             <a:endParaRPr lang="en-US"/>
           </a:p>
@@ -1967,7 +1968,7 @@
           <a:p>
             <a:pPr lvl="0"/>
             <a:fld id="{25E8B9DC-1601-4E89-9BF3-67798058929C}" type="slidenum">
-              <a:t>‹#›</a:t>
+              <a:t>‹N›</a:t>
             </a:fld>
             <a:endParaRPr lang="en-US"/>
           </a:p>
@@ -2242,7 +2243,7 @@
             <a:fld id="{28219253-5FC5-4A40-8333-D1B15AC5878A}" type="datetime1">
               <a:rPr lang="en-US"/>
               <a:pPr lvl="0"/>
-              <a:t>2/21/2021</a:t>
+              <a:t>3/8/2021</a:t>
             </a:fld>
             <a:endParaRPr lang="en-US"/>
           </a:p>
@@ -2305,7 +2306,7 @@
           <a:p>
             <a:pPr lvl="0"/>
             <a:fld id="{86011E27-E238-48D1-8B6B-308E3305A798}" type="slidenum">
-              <a:t>‹#›</a:t>
+              <a:t>‹N›</a:t>
             </a:fld>
             <a:endParaRPr lang="en-US"/>
           </a:p>
@@ -2492,7 +2493,7 @@
             <a:fld id="{33CA4D83-3349-4ABB-88EE-6E4E7B0BB022}" type="datetime1">
               <a:rPr lang="en-US"/>
               <a:pPr lvl="0"/>
-              <a:t>2/21/2021</a:t>
+              <a:t>3/8/2021</a:t>
             </a:fld>
             <a:endParaRPr lang="en-US"/>
           </a:p>
@@ -2555,7 +2556,7 @@
           <a:p>
             <a:pPr lvl="0"/>
             <a:fld id="{3838CB40-8488-4632-BEE4-1726605F46A2}" type="slidenum">
-              <a:t>‹#›</a:t>
+              <a:t>‹N›</a:t>
             </a:fld>
             <a:endParaRPr lang="en-US"/>
           </a:p>
@@ -2872,7 +2873,7 @@
             <a:fld id="{2FB5C852-7CCC-490C-814F-DFECD5F43B20}" type="datetime1">
               <a:rPr lang="en-US"/>
               <a:pPr lvl="0"/>
-              <a:t>2/21/2021</a:t>
+              <a:t>3/8/2021</a:t>
             </a:fld>
             <a:endParaRPr lang="en-US"/>
           </a:p>
@@ -2935,7 +2936,7 @@
           <a:p>
             <a:pPr lvl="0"/>
             <a:fld id="{DF155DDB-B265-4385-85EB-9BB6F96920F3}" type="slidenum">
-              <a:t>‹#›</a:t>
+              <a:t>‹N›</a:t>
             </a:fld>
             <a:endParaRPr lang="en-US"/>
           </a:p>
@@ -3106,7 +3107,7 @@
             <a:fld id="{7B2A1F4C-93D8-43D7-8339-D733494904AF}" type="datetime1">
               <a:rPr lang="en-US"/>
               <a:pPr lvl="0"/>
-              <a:t>2/21/2021</a:t>
+              <a:t>3/8/2021</a:t>
             </a:fld>
             <a:endParaRPr lang="en-US"/>
           </a:p>
@@ -3169,7 +3170,7 @@
           <a:p>
             <a:pPr lvl="0"/>
             <a:fld id="{AFBA4CC0-DF28-4594-B397-0B69C273FCC7}" type="slidenum">
-              <a:t>‹#›</a:t>
+              <a:t>‹N›</a:t>
             </a:fld>
             <a:endParaRPr lang="en-US"/>
           </a:p>
@@ -3350,7 +3351,7 @@
             <a:fld id="{77885217-A614-4057-B794-FF8AEFCE0435}" type="datetime1">
               <a:rPr lang="en-US"/>
               <a:pPr lvl="0"/>
-              <a:t>2/21/2021</a:t>
+              <a:t>3/8/2021</a:t>
             </a:fld>
             <a:endParaRPr lang="en-US"/>
           </a:p>
@@ -3413,7 +3414,7 @@
           <a:p>
             <a:pPr lvl="0"/>
             <a:fld id="{EFAAD9BC-2D0C-483F-8155-9F1E48F77017}" type="slidenum">
-              <a:t>‹#›</a:t>
+              <a:t>‹N›</a:t>
             </a:fld>
             <a:endParaRPr lang="en-US"/>
           </a:p>
@@ -3584,7 +3585,7 @@
             <a:fld id="{D0DACD68-29B9-4EF3-AEDA-C2F359F2DD76}" type="datetime1">
               <a:rPr lang="en-US"/>
               <a:pPr lvl="0"/>
-              <a:t>2/21/2021</a:t>
+              <a:t>3/8/2021</a:t>
             </a:fld>
             <a:endParaRPr lang="en-US"/>
           </a:p>
@@ -3647,7 +3648,7 @@
           <a:p>
             <a:pPr lvl="0"/>
             <a:fld id="{7548A338-ED36-4B02-8A7A-B62AA2999902}" type="slidenum">
-              <a:t>‹#›</a:t>
+              <a:t>‹N›</a:t>
             </a:fld>
             <a:endParaRPr lang="en-US"/>
           </a:p>
@@ -3793,7 +3794,7 @@
             <a:fld id="{06E0725F-6EB9-4ECD-B0CE-1D38B1127686}" type="datetime1">
               <a:rPr lang="en-US"/>
               <a:pPr lvl="0"/>
-              <a:t>2/21/2021</a:t>
+              <a:t>3/8/2021</a:t>
             </a:fld>
             <a:endParaRPr lang="en-US"/>
           </a:p>
@@ -3856,7 +3857,7 @@
           <a:p>
             <a:pPr lvl="0"/>
             <a:fld id="{864A4FA9-6AAC-4551-B51D-2A8210D0C5CC}" type="slidenum">
-              <a:t>‹#›</a:t>
+              <a:t>‹N›</a:t>
             </a:fld>
             <a:endParaRPr lang="en-US"/>
           </a:p>
@@ -4110,7 +4111,7 @@
             <a:fld id="{4C942382-4B6B-45E1-9E36-EC8B67CEA045}" type="datetime1">
               <a:rPr lang="en-US"/>
               <a:pPr lvl="0"/>
-              <a:t>2/21/2021</a:t>
+              <a:t>3/8/2021</a:t>
             </a:fld>
             <a:endParaRPr lang="en-US"/>
           </a:p>
@@ -4173,7 +4174,7 @@
           <a:p>
             <a:pPr lvl="0"/>
             <a:fld id="{3B82688E-5447-4477-9F70-BCD59116F07E}" type="slidenum">
-              <a:t>‹#›</a:t>
+              <a:t>‹N›</a:t>
             </a:fld>
             <a:endParaRPr lang="en-US"/>
           </a:p>
@@ -4509,7 +4510,7 @@
             <a:fld id="{7D3D84F2-FEA2-4427-96E5-10B973ED4870}" type="datetime1">
               <a:rPr lang="en-US"/>
               <a:pPr lvl="0"/>
-              <a:t>2/21/2021</a:t>
+              <a:t>3/8/2021</a:t>
             </a:fld>
             <a:endParaRPr lang="en-US"/>
           </a:p>
@@ -4572,7 +4573,7 @@
           <a:p>
             <a:pPr lvl="0"/>
             <a:fld id="{CB2E60DC-FEE2-4D8E-B96B-62896C0CB29E}" type="slidenum">
-              <a:t>‹#›</a:t>
+              <a:t>‹N›</a:t>
             </a:fld>
             <a:endParaRPr lang="en-US"/>
           </a:p>
@@ -4670,7 +4671,7 @@
             <a:fld id="{B7AF3369-AE36-4F4C-A2F2-CD9A19A2C3F5}" type="datetime1">
               <a:rPr lang="en-US"/>
               <a:pPr lvl="0"/>
-              <a:t>2/21/2021</a:t>
+              <a:t>3/8/2021</a:t>
             </a:fld>
             <a:endParaRPr lang="en-US"/>
           </a:p>
@@ -4733,7 +4734,7 @@
           <a:p>
             <a:pPr lvl="0"/>
             <a:fld id="{89A43199-AD0E-4750-B27B-4C1D93A2EA32}" type="slidenum">
-              <a:t>‹#›</a:t>
+              <a:t>‹N›</a:t>
             </a:fld>
             <a:endParaRPr lang="en-US"/>
           </a:p>
@@ -4799,7 +4800,7 @@
             <a:fld id="{1DBFF290-4D61-45AA-9912-220341DCFF82}" type="datetime1">
               <a:rPr lang="en-US"/>
               <a:pPr lvl="0"/>
-              <a:t>2/21/2021</a:t>
+              <a:t>3/8/2021</a:t>
             </a:fld>
             <a:endParaRPr lang="en-US"/>
           </a:p>
@@ -4862,7 +4863,7 @@
           <a:p>
             <a:pPr lvl="0"/>
             <a:fld id="{1770E780-0E85-498B-B658-B69898171ACB}" type="slidenum">
-              <a:t>‹#›</a:t>
+              <a:t>‹N›</a:t>
             </a:fld>
             <a:endParaRPr lang="en-US"/>
           </a:p>
@@ -5082,7 +5083,7 @@
             <a:fld id="{394810FF-4C92-4868-8A78-69B7E79AAD23}" type="datetime1">
               <a:rPr lang="en-US"/>
               <a:pPr lvl="0"/>
-              <a:t>2/21/2021</a:t>
+              <a:t>3/8/2021</a:t>
             </a:fld>
             <a:endParaRPr lang="en-US"/>
           </a:p>
@@ -5145,7 +5146,7 @@
           <a:p>
             <a:pPr lvl="0"/>
             <a:fld id="{7AC017E1-2DD0-4D42-9E09-06ADDE3F63D7}" type="slidenum">
-              <a:t>‹#›</a:t>
+              <a:t>‹N›</a:t>
             </a:fld>
             <a:endParaRPr lang="en-US"/>
           </a:p>
@@ -5326,7 +5327,7 @@
             <a:fld id="{5EEF1104-63C8-41E5-ADC2-4624C67A1313}" type="datetime1">
               <a:rPr lang="en-US"/>
               <a:pPr lvl="0"/>
-              <a:t>2/21/2021</a:t>
+              <a:t>3/8/2021</a:t>
             </a:fld>
             <a:endParaRPr lang="en-US"/>
           </a:p>
@@ -5389,7 +5390,7 @@
           <a:p>
             <a:pPr lvl="0"/>
             <a:fld id="{3B62C8DE-7929-43A8-9BA2-34E07DFC7D3C}" type="slidenum">
-              <a:t>‹#›</a:t>
+              <a:t>‹N›</a:t>
             </a:fld>
             <a:endParaRPr lang="en-US"/>
           </a:p>
@@ -6812,7 +6813,7 @@
             <a:fld id="{3431AD46-0528-4BA3-9348-B3C09F91749D}" type="datetime1">
               <a:rPr lang="en-US"/>
               <a:pPr lvl="0"/>
-              <a:t>2/21/2021</a:t>
+              <a:t>3/8/2021</a:t>
             </a:fld>
             <a:endParaRPr lang="en-US"/>
           </a:p>
@@ -6937,7 +6938,7 @@
           <a:p>
             <a:pPr lvl="0"/>
             <a:fld id="{5FDB0281-6497-4923-A6A9-684DC7375417}" type="slidenum">
-              <a:t>‹#›</a:t>
+              <a:t>‹N›</a:t>
             </a:fld>
             <a:endParaRPr lang="en-US"/>
           </a:p>
@@ -11463,6 +11464,1734 @@
 </p:sld>
 </file>
 
+<file path=ppt/slides/slide4.xml><?xml version="1.0" encoding="utf-8"?>
+<p:sld xmlns:a="http://purl.oclc.org/ooxml/drawingml/main" xmlns:r="http://purl.oclc.org/ooxml/officeDocument/relationships" xmlns:p="http://purl.oclc.org/ooxml/presentationml/main">
+  <p:cSld>
+    <p:spTree>
+      <p:nvGrpSpPr>
+        <p:cNvPr id="1" name=""/>
+        <p:cNvGrpSpPr/>
+        <p:nvPr/>
+      </p:nvGrpSpPr>
+      <p:grpSpPr>
+        <a:xfrm>
+          <a:off x="0" y="0"/>
+          <a:ext cx="0" cy="0"/>
+          <a:chOff x="0" y="0"/>
+          <a:chExt cx="0" cy="0"/>
+        </a:xfrm>
+      </p:grpSpPr>
+      <p:grpSp>
+        <p:nvGrpSpPr>
+          <p:cNvPr id="2" name="Gruppo 6">
+            <a:extLst>
+              <a:ext uri="{FF2B5EF4-FFF2-40B4-BE49-F238E27FC236}">
+                <a16:creationId xmlns:a16="http://schemas.microsoft.com/office/drawing/2014/main" id="{5E1CC2E3-9006-4EF1-BA0D-56E32A422064}"/>
+              </a:ext>
+            </a:extLst>
+          </p:cNvPr>
+          <p:cNvGrpSpPr/>
+          <p:nvPr/>
+        </p:nvGrpSpPr>
+        <p:grpSpPr>
+          <a:xfrm>
+            <a:off x="4935069" y="2678010"/>
+            <a:ext cx="1248110" cy="1213095"/>
+            <a:chOff x="565700" y="4940367"/>
+            <a:chExt cx="805955" cy="772447"/>
+          </a:xfrm>
+        </p:grpSpPr>
+        <p:sp>
+          <p:nvSpPr>
+            <p:cNvPr id="3" name="Ovale 31">
+              <a:extLst>
+                <a:ext uri="{FF2B5EF4-FFF2-40B4-BE49-F238E27FC236}">
+                  <a16:creationId xmlns:a16="http://schemas.microsoft.com/office/drawing/2014/main" id="{89F16ABA-1557-4A38-8B3F-D55F7CC4CEB3}"/>
+                </a:ext>
+              </a:extLst>
+            </p:cNvPr>
+            <p:cNvSpPr/>
+            <p:nvPr/>
+          </p:nvSpPr>
+          <p:spPr>
+            <a:xfrm>
+              <a:off x="565700" y="4983583"/>
+              <a:ext cx="805955" cy="729231"/>
+            </a:xfrm>
+            <a:prstGeom prst="ellipse">
+              <a:avLst/>
+            </a:prstGeom>
+            <a:ln/>
+          </p:spPr>
+          <p:style>
+            <a:lnRef idx="1">
+              <a:schemeClr val="accent4"/>
+            </a:lnRef>
+            <a:fillRef idx="2">
+              <a:schemeClr val="accent4"/>
+            </a:fillRef>
+            <a:effectRef idx="1">
+              <a:schemeClr val="accent4"/>
+            </a:effectRef>
+            <a:fontRef idx="minor">
+              <a:schemeClr val="dk1"/>
+            </a:fontRef>
+          </p:style>
+          <p:txBody>
+            <a:bodyPr rtlCol="0" anchor="ctr"/>
+            <a:lstStyle/>
+            <a:p>
+              <a:pPr algn="ctr"/>
+              <a:r>
+                <a:rPr lang="en-GB" sz="1200" dirty="0"/>
+                <a:t> </a:t>
+              </a:r>
+            </a:p>
+          </p:txBody>
+        </p:sp>
+        <p:sp>
+          <p:nvSpPr>
+            <p:cNvPr id="4" name="Triangolo isoscele 34">
+              <a:extLst>
+                <a:ext uri="{FF2B5EF4-FFF2-40B4-BE49-F238E27FC236}">
+                  <a16:creationId xmlns:a16="http://schemas.microsoft.com/office/drawing/2014/main" id="{586D603C-0ABC-493C-BDA7-33C45134A628}"/>
+                </a:ext>
+              </a:extLst>
+            </p:cNvPr>
+            <p:cNvSpPr/>
+            <p:nvPr/>
+          </p:nvSpPr>
+          <p:spPr>
+            <a:xfrm rot="16200000">
+              <a:off x="905299" y="4913952"/>
+              <a:ext cx="86434" cy="139263"/>
+            </a:xfrm>
+            <a:prstGeom prst="triangle">
+              <a:avLst/>
+            </a:prstGeom>
+            <a:solidFill>
+              <a:srgbClr val="C00000"/>
+            </a:solidFill>
+            <a:ln/>
+          </p:spPr>
+          <p:style>
+            <a:lnRef idx="1">
+              <a:schemeClr val="accent5"/>
+            </a:lnRef>
+            <a:fillRef idx="2">
+              <a:schemeClr val="accent5"/>
+            </a:fillRef>
+            <a:effectRef idx="1">
+              <a:schemeClr val="accent5"/>
+            </a:effectRef>
+            <a:fontRef idx="minor">
+              <a:schemeClr val="dk1"/>
+            </a:fontRef>
+          </p:style>
+          <p:txBody>
+            <a:bodyPr rtlCol="0" anchor="ctr"/>
+            <a:lstStyle/>
+            <a:p>
+              <a:pPr algn="ctr"/>
+              <a:endParaRPr lang="en-GB" sz="1200">
+                <a:solidFill>
+                  <a:schemeClr val="dk1"/>
+                </a:solidFill>
+              </a:endParaRPr>
+            </a:p>
+          </p:txBody>
+        </p:sp>
+      </p:grpSp>
+      <p:sp>
+        <p:nvSpPr>
+          <p:cNvPr id="5" name="TextBox 11">
+            <a:extLst>
+              <a:ext uri="{FF2B5EF4-FFF2-40B4-BE49-F238E27FC236}">
+                <a16:creationId xmlns:a16="http://schemas.microsoft.com/office/drawing/2014/main" id="{6AFBC032-A811-44FF-9DF3-77CE4A4DE78A}"/>
+              </a:ext>
+            </a:extLst>
+          </p:cNvPr>
+          <p:cNvSpPr txBox="1"/>
+          <p:nvPr/>
+        </p:nvSpPr>
+        <p:spPr>
+          <a:xfrm>
+            <a:off x="2435323" y="2498130"/>
+            <a:ext cx="2087944" cy="369332"/>
+          </a:xfrm>
+          <a:prstGeom prst="rect">
+            <a:avLst/>
+          </a:prstGeom>
+          <a:noFill/>
+        </p:spPr>
+        <p:txBody>
+          <a:bodyPr wrap="none" rtlCol="0">
+            <a:spAutoFit/>
+          </a:bodyPr>
+          <a:lstStyle/>
+          <a:p>
+            <a:pPr algn="ctr"/>
+            <a:r>
+              <a:rPr lang="en-US" dirty="0"/>
+              <a:t> command (request)</a:t>
+            </a:r>
+          </a:p>
+        </p:txBody>
+      </p:sp>
+      <p:grpSp>
+        <p:nvGrpSpPr>
+          <p:cNvPr id="6" name="Gruppo 7">
+            <a:extLst>
+              <a:ext uri="{FF2B5EF4-FFF2-40B4-BE49-F238E27FC236}">
+                <a16:creationId xmlns:a16="http://schemas.microsoft.com/office/drawing/2014/main" id="{7A0E06F5-803F-40B8-B029-40A4A34F0AC9}"/>
+              </a:ext>
+            </a:extLst>
+          </p:cNvPr>
+          <p:cNvGrpSpPr/>
+          <p:nvPr/>
+        </p:nvGrpSpPr>
+        <p:grpSpPr>
+          <a:xfrm>
+            <a:off x="3824125" y="2952851"/>
+            <a:ext cx="787334" cy="86434"/>
+            <a:chOff x="3452446" y="4176616"/>
+            <a:chExt cx="787334" cy="86434"/>
+          </a:xfrm>
+        </p:grpSpPr>
+        <p:sp>
+          <p:nvSpPr>
+            <p:cNvPr id="7" name="Triangolo isoscele 55">
+              <a:extLst>
+                <a:ext uri="{FF2B5EF4-FFF2-40B4-BE49-F238E27FC236}">
+                  <a16:creationId xmlns:a16="http://schemas.microsoft.com/office/drawing/2014/main" id="{1796D75B-92E5-4125-ACB8-3379F6F17162}"/>
+                </a:ext>
+              </a:extLst>
+            </p:cNvPr>
+            <p:cNvSpPr/>
+            <p:nvPr/>
+          </p:nvSpPr>
+          <p:spPr>
+            <a:xfrm rot="5400000" flipH="1">
+              <a:off x="4126932" y="4150201"/>
+              <a:ext cx="86434" cy="139263"/>
+            </a:xfrm>
+            <a:prstGeom prst="triangle">
+              <a:avLst/>
+            </a:prstGeom>
+            <a:ln w="28575">
+              <a:headEnd type="none" w="med" len="med"/>
+              <a:tailEnd type="none" w="med" len="med"/>
+            </a:ln>
+          </p:spPr>
+          <p:style>
+            <a:lnRef idx="1">
+              <a:schemeClr val="accent1"/>
+            </a:lnRef>
+            <a:fillRef idx="0">
+              <a:schemeClr val="accent1"/>
+            </a:fillRef>
+            <a:effectRef idx="0">
+              <a:schemeClr val="accent1"/>
+            </a:effectRef>
+            <a:fontRef idx="minor">
+              <a:schemeClr val="tx1"/>
+            </a:fontRef>
+          </p:style>
+          <p:txBody>
+            <a:bodyPr rtlCol="0" anchor="ctr"/>
+            <a:lstStyle/>
+            <a:p>
+              <a:pPr algn="ctr"/>
+              <a:endParaRPr lang="en-GB" sz="1200"/>
+            </a:p>
+          </p:txBody>
+        </p:sp>
+        <p:cxnSp>
+          <p:nvCxnSpPr>
+            <p:cNvPr id="8" name="Connettore 1 56">
+              <a:extLst>
+                <a:ext uri="{FF2B5EF4-FFF2-40B4-BE49-F238E27FC236}">
+                  <a16:creationId xmlns:a16="http://schemas.microsoft.com/office/drawing/2014/main" id="{5E677888-D20E-479E-98BA-4D85DFF16B25}"/>
+                </a:ext>
+              </a:extLst>
+            </p:cNvPr>
+            <p:cNvCxnSpPr>
+              <a:endCxn id="7" idx="3"/>
+            </p:cNvCxnSpPr>
+            <p:nvPr/>
+          </p:nvCxnSpPr>
+          <p:spPr>
+            <a:xfrm>
+              <a:off x="3452446" y="4219627"/>
+              <a:ext cx="648072" cy="206"/>
+            </a:xfrm>
+            <a:prstGeom prst="line">
+              <a:avLst/>
+            </a:prstGeom>
+            <a:ln w="28575">
+              <a:headEnd type="none" w="med" len="med"/>
+              <a:tailEnd type="none" w="med" len="med"/>
+            </a:ln>
+          </p:spPr>
+          <p:style>
+            <a:lnRef idx="1">
+              <a:schemeClr val="accent1"/>
+            </a:lnRef>
+            <a:fillRef idx="0">
+              <a:schemeClr val="accent1"/>
+            </a:fillRef>
+            <a:effectRef idx="0">
+              <a:schemeClr val="accent1"/>
+            </a:effectRef>
+            <a:fontRef idx="minor">
+              <a:schemeClr val="tx1"/>
+            </a:fontRef>
+          </p:style>
+        </p:cxnSp>
+      </p:grpSp>
+      <p:cxnSp>
+        <p:nvCxnSpPr>
+          <p:cNvPr id="9" name="Straight Connector 16">
+            <a:extLst>
+              <a:ext uri="{FF2B5EF4-FFF2-40B4-BE49-F238E27FC236}">
+                <a16:creationId xmlns:a16="http://schemas.microsoft.com/office/drawing/2014/main" id="{7DDC332D-6BAE-4781-847E-58B2BA449290}"/>
+              </a:ext>
+            </a:extLst>
+          </p:cNvPr>
+          <p:cNvCxnSpPr>
+            <a:cxnSpLocks/>
+          </p:cNvCxnSpPr>
+          <p:nvPr/>
+        </p:nvCxnSpPr>
+        <p:spPr>
+          <a:xfrm flipH="1" flipV="1">
+            <a:off x="2551897" y="2989104"/>
+            <a:ext cx="1563527" cy="6758"/>
+          </a:xfrm>
+          <a:prstGeom prst="line">
+            <a:avLst/>
+          </a:prstGeom>
+          <a:ln w="28575">
+            <a:headEnd type="none" w="med" len="med"/>
+            <a:tailEnd type="none" w="med" len="med"/>
+          </a:ln>
+        </p:spPr>
+        <p:style>
+          <a:lnRef idx="1">
+            <a:schemeClr val="accent1"/>
+          </a:lnRef>
+          <a:fillRef idx="0">
+            <a:schemeClr val="accent1"/>
+          </a:fillRef>
+          <a:effectRef idx="0">
+            <a:schemeClr val="accent1"/>
+          </a:effectRef>
+          <a:fontRef idx="minor">
+            <a:schemeClr val="tx1"/>
+          </a:fontRef>
+        </p:style>
+      </p:cxnSp>
+      <p:sp>
+        <p:nvSpPr>
+          <p:cNvPr id="10" name="TextBox 29">
+            <a:extLst>
+              <a:ext uri="{FF2B5EF4-FFF2-40B4-BE49-F238E27FC236}">
+                <a16:creationId xmlns:a16="http://schemas.microsoft.com/office/drawing/2014/main" id="{136EA4B1-F3C7-4AEE-8813-7B3C5EAF8139}"/>
+              </a:ext>
+            </a:extLst>
+          </p:cNvPr>
+          <p:cNvSpPr txBox="1"/>
+          <p:nvPr/>
+        </p:nvSpPr>
+        <p:spPr>
+          <a:xfrm flipH="1">
+            <a:off x="5283958" y="3096123"/>
+            <a:ext cx="1312854" cy="369332"/>
+          </a:xfrm>
+          <a:prstGeom prst="rect">
+            <a:avLst/>
+          </a:prstGeom>
+          <a:noFill/>
+        </p:spPr>
+        <p:txBody>
+          <a:bodyPr wrap="square" rtlCol="0">
+            <a:spAutoFit/>
+          </a:bodyPr>
+          <a:lstStyle/>
+          <a:p>
+            <a:r>
+              <a:rPr lang="en-US" dirty="0" err="1"/>
+              <a:t>WEnv</a:t>
+            </a:r>
+            <a:endParaRPr lang="en-US" dirty="0"/>
+          </a:p>
+        </p:txBody>
+      </p:sp>
+      <p:sp>
+        <p:nvSpPr>
+          <p:cNvPr id="11" name="Triangolo isoscele 50">
+            <a:extLst>
+              <a:ext uri="{FF2B5EF4-FFF2-40B4-BE49-F238E27FC236}">
+                <a16:creationId xmlns:a16="http://schemas.microsoft.com/office/drawing/2014/main" id="{5D8E9773-EC6F-4DBB-8B48-37A50B35DBA2}"/>
+              </a:ext>
+            </a:extLst>
+          </p:cNvPr>
+          <p:cNvSpPr/>
+          <p:nvPr/>
+        </p:nvSpPr>
+        <p:spPr>
+          <a:xfrm rot="16200000">
+            <a:off x="2610917" y="3041903"/>
+            <a:ext cx="128062" cy="190948"/>
+          </a:xfrm>
+          <a:prstGeom prst="triangle">
+            <a:avLst/>
+          </a:prstGeom>
+          <a:ln w="28575">
+            <a:headEnd type="none" w="med" len="med"/>
+            <a:tailEnd type="none" w="med" len="med"/>
+          </a:ln>
+        </p:spPr>
+        <p:style>
+          <a:lnRef idx="1">
+            <a:schemeClr val="accent1"/>
+          </a:lnRef>
+          <a:fillRef idx="0">
+            <a:schemeClr val="accent1"/>
+          </a:fillRef>
+          <a:effectRef idx="0">
+            <a:schemeClr val="accent1"/>
+          </a:effectRef>
+          <a:fontRef idx="minor">
+            <a:schemeClr val="tx1"/>
+          </a:fontRef>
+        </p:style>
+        <p:txBody>
+          <a:bodyPr rtlCol="0" anchor="ctr"/>
+          <a:lstStyle/>
+          <a:p>
+            <a:pPr algn="ctr"/>
+            <a:endParaRPr lang="en-GB" sz="1200"/>
+          </a:p>
+        </p:txBody>
+      </p:sp>
+      <p:cxnSp>
+        <p:nvCxnSpPr>
+          <p:cNvPr id="12" name="Straight Connector 39">
+            <a:extLst>
+              <a:ext uri="{FF2B5EF4-FFF2-40B4-BE49-F238E27FC236}">
+                <a16:creationId xmlns:a16="http://schemas.microsoft.com/office/drawing/2014/main" id="{2317B32F-B5D6-4C1B-9C30-A09554E34267}"/>
+              </a:ext>
+            </a:extLst>
+          </p:cNvPr>
+          <p:cNvCxnSpPr>
+            <a:cxnSpLocks/>
+            <a:endCxn id="11" idx="3"/>
+          </p:cNvCxnSpPr>
+          <p:nvPr/>
+        </p:nvCxnSpPr>
+        <p:spPr>
+          <a:xfrm flipH="1" flipV="1">
+            <a:off x="2770422" y="3137377"/>
+            <a:ext cx="1871020" cy="10858"/>
+          </a:xfrm>
+          <a:prstGeom prst="line">
+            <a:avLst/>
+          </a:prstGeom>
+          <a:ln w="28575">
+            <a:prstDash val="sysDot"/>
+            <a:headEnd type="none" w="med" len="med"/>
+            <a:tailEnd type="none" w="med" len="med"/>
+          </a:ln>
+        </p:spPr>
+        <p:style>
+          <a:lnRef idx="1">
+            <a:schemeClr val="accent1"/>
+          </a:lnRef>
+          <a:fillRef idx="0">
+            <a:schemeClr val="accent1"/>
+          </a:fillRef>
+          <a:effectRef idx="0">
+            <a:schemeClr val="accent1"/>
+          </a:effectRef>
+          <a:fontRef idx="minor">
+            <a:schemeClr val="tx1"/>
+          </a:fontRef>
+        </p:style>
+      </p:cxnSp>
+      <p:sp>
+        <p:nvSpPr>
+          <p:cNvPr id="16" name="TextBox 11">
+            <a:extLst>
+              <a:ext uri="{FF2B5EF4-FFF2-40B4-BE49-F238E27FC236}">
+                <a16:creationId xmlns:a16="http://schemas.microsoft.com/office/drawing/2014/main" id="{BE82CCD4-C8C3-4991-B055-A5884818682D}"/>
+              </a:ext>
+            </a:extLst>
+          </p:cNvPr>
+          <p:cNvSpPr txBox="1"/>
+          <p:nvPr/>
+        </p:nvSpPr>
+        <p:spPr>
+          <a:xfrm>
+            <a:off x="2694491" y="3184692"/>
+            <a:ext cx="1582677" cy="369332"/>
+          </a:xfrm>
+          <a:prstGeom prst="rect">
+            <a:avLst/>
+          </a:prstGeom>
+          <a:noFill/>
+        </p:spPr>
+        <p:txBody>
+          <a:bodyPr wrap="none" rtlCol="0">
+            <a:spAutoFit/>
+          </a:bodyPr>
+          <a:lstStyle/>
+          <a:p>
+            <a:pPr algn="ctr"/>
+            <a:r>
+              <a:rPr lang="en-US" dirty="0"/>
+              <a:t> answer (reply)</a:t>
+            </a:r>
+          </a:p>
+        </p:txBody>
+      </p:sp>
+      <p:cxnSp>
+        <p:nvCxnSpPr>
+          <p:cNvPr id="17" name="Connettore 2 52">
+            <a:extLst>
+              <a:ext uri="{FF2B5EF4-FFF2-40B4-BE49-F238E27FC236}">
+                <a16:creationId xmlns:a16="http://schemas.microsoft.com/office/drawing/2014/main" id="{BF76FE24-5711-440C-A59B-93002DD46893}"/>
+              </a:ext>
+            </a:extLst>
+          </p:cNvPr>
+          <p:cNvCxnSpPr>
+            <a:cxnSpLocks/>
+          </p:cNvCxnSpPr>
+          <p:nvPr/>
+        </p:nvCxnSpPr>
+        <p:spPr>
+          <a:xfrm flipH="1">
+            <a:off x="2312430" y="3663756"/>
+            <a:ext cx="2599454" cy="0"/>
+          </a:xfrm>
+          <a:prstGeom prst="straightConnector1">
+            <a:avLst/>
+          </a:prstGeom>
+          <a:ln w="28575">
+            <a:prstDash val="lgDash"/>
+            <a:tailEnd type="arrow"/>
+          </a:ln>
+        </p:spPr>
+        <p:style>
+          <a:lnRef idx="1">
+            <a:schemeClr val="accent1"/>
+          </a:lnRef>
+          <a:fillRef idx="0">
+            <a:schemeClr val="accent1"/>
+          </a:fillRef>
+          <a:effectRef idx="0">
+            <a:schemeClr val="accent1"/>
+          </a:effectRef>
+          <a:fontRef idx="minor">
+            <a:schemeClr val="tx1"/>
+          </a:fontRef>
+        </p:style>
+      </p:cxnSp>
+      <p:sp>
+        <p:nvSpPr>
+          <p:cNvPr id="18" name="TextBox 11">
+            <a:extLst>
+              <a:ext uri="{FF2B5EF4-FFF2-40B4-BE49-F238E27FC236}">
+                <a16:creationId xmlns:a16="http://schemas.microsoft.com/office/drawing/2014/main" id="{499E360E-49B1-48C4-BCE9-4823472A08A6}"/>
+              </a:ext>
+            </a:extLst>
+          </p:cNvPr>
+          <p:cNvSpPr txBox="1"/>
+          <p:nvPr/>
+        </p:nvSpPr>
+        <p:spPr>
+          <a:xfrm>
+            <a:off x="2443462" y="3687788"/>
+            <a:ext cx="2156168" cy="369332"/>
+          </a:xfrm>
+          <a:prstGeom prst="rect">
+            <a:avLst/>
+          </a:prstGeom>
+          <a:noFill/>
+        </p:spPr>
+        <p:txBody>
+          <a:bodyPr wrap="none" rtlCol="0">
+            <a:spAutoFit/>
+          </a:bodyPr>
+          <a:lstStyle/>
+          <a:p>
+            <a:pPr algn="ctr"/>
+            <a:r>
+              <a:rPr lang="en-US" dirty="0"/>
+              <a:t> </a:t>
+            </a:r>
+            <a:r>
+              <a:rPr lang="en-US" dirty="0" err="1"/>
+              <a:t>sonardata</a:t>
+            </a:r>
+            <a:r>
+              <a:rPr lang="en-US" dirty="0"/>
+              <a:t> (dispatch)</a:t>
+            </a:r>
+          </a:p>
+        </p:txBody>
+      </p:sp>
+      <p:sp>
+        <p:nvSpPr>
+          <p:cNvPr id="19" name="Figura a mano libera 12">
+            <a:extLst>
+              <a:ext uri="{FF2B5EF4-FFF2-40B4-BE49-F238E27FC236}">
+                <a16:creationId xmlns:a16="http://schemas.microsoft.com/office/drawing/2014/main" id="{91017C1D-F7D0-45C0-B9DB-040716E6E16B}"/>
+              </a:ext>
+            </a:extLst>
+          </p:cNvPr>
+          <p:cNvSpPr/>
+          <p:nvPr/>
+        </p:nvSpPr>
+        <p:spPr>
+          <a:xfrm>
+            <a:off x="535545" y="2794427"/>
+            <a:ext cx="1829996" cy="972723"/>
+          </a:xfrm>
+          <a:custGeom>
+            <a:avLst/>
+            <a:gdLst>
+              <a:gd name="connsiteX0" fmla="*/ 168812 w 773723"/>
+              <a:gd name="connsiteY0" fmla="*/ 0 h 604911"/>
+              <a:gd name="connsiteX1" fmla="*/ 168812 w 773723"/>
+              <a:gd name="connsiteY1" fmla="*/ 0 h 604911"/>
+              <a:gd name="connsiteX2" fmla="*/ 28135 w 773723"/>
+              <a:gd name="connsiteY2" fmla="*/ 70339 h 604911"/>
+              <a:gd name="connsiteX3" fmla="*/ 0 w 773723"/>
+              <a:gd name="connsiteY3" fmla="*/ 112542 h 604911"/>
+              <a:gd name="connsiteX4" fmla="*/ 14068 w 773723"/>
+              <a:gd name="connsiteY4" fmla="*/ 492369 h 604911"/>
+              <a:gd name="connsiteX5" fmla="*/ 42203 w 773723"/>
+              <a:gd name="connsiteY5" fmla="*/ 520505 h 604911"/>
+              <a:gd name="connsiteX6" fmla="*/ 168812 w 773723"/>
+              <a:gd name="connsiteY6" fmla="*/ 576776 h 604911"/>
+              <a:gd name="connsiteX7" fmla="*/ 225083 w 773723"/>
+              <a:gd name="connsiteY7" fmla="*/ 604911 h 604911"/>
+              <a:gd name="connsiteX8" fmla="*/ 576775 w 773723"/>
+              <a:gd name="connsiteY8" fmla="*/ 590843 h 604911"/>
+              <a:gd name="connsiteX9" fmla="*/ 633046 w 773723"/>
+              <a:gd name="connsiteY9" fmla="*/ 393896 h 604911"/>
+              <a:gd name="connsiteX10" fmla="*/ 661181 w 773723"/>
+              <a:gd name="connsiteY10" fmla="*/ 365760 h 604911"/>
+              <a:gd name="connsiteX11" fmla="*/ 703385 w 773723"/>
+              <a:gd name="connsiteY11" fmla="*/ 337625 h 604911"/>
+              <a:gd name="connsiteX12" fmla="*/ 759655 w 773723"/>
+              <a:gd name="connsiteY12" fmla="*/ 295422 h 604911"/>
+              <a:gd name="connsiteX13" fmla="*/ 773723 w 773723"/>
+              <a:gd name="connsiteY13" fmla="*/ 253219 h 604911"/>
+              <a:gd name="connsiteX14" fmla="*/ 731520 w 773723"/>
+              <a:gd name="connsiteY14" fmla="*/ 154745 h 604911"/>
+              <a:gd name="connsiteX15" fmla="*/ 661181 w 773723"/>
+              <a:gd name="connsiteY15" fmla="*/ 84406 h 604911"/>
+              <a:gd name="connsiteX16" fmla="*/ 576775 w 773723"/>
+              <a:gd name="connsiteY16" fmla="*/ 28136 h 604911"/>
+              <a:gd name="connsiteX17" fmla="*/ 464234 w 773723"/>
+              <a:gd name="connsiteY17" fmla="*/ 42203 h 604911"/>
+              <a:gd name="connsiteX18" fmla="*/ 436098 w 773723"/>
+              <a:gd name="connsiteY18" fmla="*/ 70339 h 604911"/>
+              <a:gd name="connsiteX19" fmla="*/ 393895 w 773723"/>
+              <a:gd name="connsiteY19" fmla="*/ 84406 h 604911"/>
+              <a:gd name="connsiteX20" fmla="*/ 351692 w 773723"/>
+              <a:gd name="connsiteY20" fmla="*/ 70339 h 604911"/>
+              <a:gd name="connsiteX21" fmla="*/ 267286 w 773723"/>
+              <a:gd name="connsiteY21" fmla="*/ 56271 h 604911"/>
+              <a:gd name="connsiteX22" fmla="*/ 168812 w 773723"/>
+              <a:gd name="connsiteY22" fmla="*/ 0 h 604911"/>
+            </a:gdLst>
+            <a:ahLst/>
+            <a:cxnLst>
+              <a:cxn ang="0">
+                <a:pos x="connsiteX0" y="connsiteY0"/>
+              </a:cxn>
+              <a:cxn ang="0">
+                <a:pos x="connsiteX1" y="connsiteY1"/>
+              </a:cxn>
+              <a:cxn ang="0">
+                <a:pos x="connsiteX2" y="connsiteY2"/>
+              </a:cxn>
+              <a:cxn ang="0">
+                <a:pos x="connsiteX3" y="connsiteY3"/>
+              </a:cxn>
+              <a:cxn ang="0">
+                <a:pos x="connsiteX4" y="connsiteY4"/>
+              </a:cxn>
+              <a:cxn ang="0">
+                <a:pos x="connsiteX5" y="connsiteY5"/>
+              </a:cxn>
+              <a:cxn ang="0">
+                <a:pos x="connsiteX6" y="connsiteY6"/>
+              </a:cxn>
+              <a:cxn ang="0">
+                <a:pos x="connsiteX7" y="connsiteY7"/>
+              </a:cxn>
+              <a:cxn ang="0">
+                <a:pos x="connsiteX8" y="connsiteY8"/>
+              </a:cxn>
+              <a:cxn ang="0">
+                <a:pos x="connsiteX9" y="connsiteY9"/>
+              </a:cxn>
+              <a:cxn ang="0">
+                <a:pos x="connsiteX10" y="connsiteY10"/>
+              </a:cxn>
+              <a:cxn ang="0">
+                <a:pos x="connsiteX11" y="connsiteY11"/>
+              </a:cxn>
+              <a:cxn ang="0">
+                <a:pos x="connsiteX12" y="connsiteY12"/>
+              </a:cxn>
+              <a:cxn ang="0">
+                <a:pos x="connsiteX13" y="connsiteY13"/>
+              </a:cxn>
+              <a:cxn ang="0">
+                <a:pos x="connsiteX14" y="connsiteY14"/>
+              </a:cxn>
+              <a:cxn ang="0">
+                <a:pos x="connsiteX15" y="connsiteY15"/>
+              </a:cxn>
+              <a:cxn ang="0">
+                <a:pos x="connsiteX16" y="connsiteY16"/>
+              </a:cxn>
+              <a:cxn ang="0">
+                <a:pos x="connsiteX17" y="connsiteY17"/>
+              </a:cxn>
+              <a:cxn ang="0">
+                <a:pos x="connsiteX18" y="connsiteY18"/>
+              </a:cxn>
+              <a:cxn ang="0">
+                <a:pos x="connsiteX19" y="connsiteY19"/>
+              </a:cxn>
+              <a:cxn ang="0">
+                <a:pos x="connsiteX20" y="connsiteY20"/>
+              </a:cxn>
+              <a:cxn ang="0">
+                <a:pos x="connsiteX21" y="connsiteY21"/>
+              </a:cxn>
+              <a:cxn ang="0">
+                <a:pos x="connsiteX22" y="connsiteY22"/>
+              </a:cxn>
+            </a:cxnLst>
+            <a:rect l="l" t="t" r="r" b="b"/>
+            <a:pathLst>
+              <a:path w="773723" h="604911">
+                <a:moveTo>
+                  <a:pt x="168812" y="0"/>
+                </a:moveTo>
+                <a:lnTo>
+                  <a:pt x="168812" y="0"/>
+                </a:lnTo>
+                <a:cubicBezTo>
+                  <a:pt x="92586" y="28585"/>
+                  <a:pt x="68468" y="19923"/>
+                  <a:pt x="28135" y="70339"/>
+                </a:cubicBezTo>
+                <a:cubicBezTo>
+                  <a:pt x="17573" y="83541"/>
+                  <a:pt x="9378" y="98474"/>
+                  <a:pt x="0" y="112542"/>
+                </a:cubicBezTo>
+                <a:cubicBezTo>
+                  <a:pt x="4689" y="239151"/>
+                  <a:pt x="1031" y="366346"/>
+                  <a:pt x="14068" y="492369"/>
+                </a:cubicBezTo>
+                <a:cubicBezTo>
+                  <a:pt x="15433" y="505562"/>
+                  <a:pt x="31846" y="512219"/>
+                  <a:pt x="42203" y="520505"/>
+                </a:cubicBezTo>
+                <a:cubicBezTo>
+                  <a:pt x="111164" y="575674"/>
+                  <a:pt x="64716" y="524729"/>
+                  <a:pt x="168812" y="576776"/>
+                </a:cubicBezTo>
+                <a:lnTo>
+                  <a:pt x="225083" y="604911"/>
+                </a:lnTo>
+                <a:cubicBezTo>
+                  <a:pt x="342314" y="600222"/>
+                  <a:pt x="460118" y="603342"/>
+                  <a:pt x="576775" y="590843"/>
+                </a:cubicBezTo>
+                <a:cubicBezTo>
+                  <a:pt x="662467" y="581662"/>
+                  <a:pt x="629241" y="411651"/>
+                  <a:pt x="633046" y="393896"/>
+                </a:cubicBezTo>
+                <a:cubicBezTo>
+                  <a:pt x="635825" y="380927"/>
+                  <a:pt x="650824" y="374045"/>
+                  <a:pt x="661181" y="365760"/>
+                </a:cubicBezTo>
+                <a:cubicBezTo>
+                  <a:pt x="674384" y="355198"/>
+                  <a:pt x="689627" y="347452"/>
+                  <a:pt x="703385" y="337625"/>
+                </a:cubicBezTo>
+                <a:cubicBezTo>
+                  <a:pt x="722464" y="323997"/>
+                  <a:pt x="740898" y="309490"/>
+                  <a:pt x="759655" y="295422"/>
+                </a:cubicBezTo>
+                <a:cubicBezTo>
+                  <a:pt x="764344" y="281354"/>
+                  <a:pt x="773723" y="268048"/>
+                  <a:pt x="773723" y="253219"/>
+                </a:cubicBezTo>
+                <a:cubicBezTo>
+                  <a:pt x="773723" y="217181"/>
+                  <a:pt x="754492" y="180999"/>
+                  <a:pt x="731520" y="154745"/>
+                </a:cubicBezTo>
+                <a:cubicBezTo>
+                  <a:pt x="709685" y="129791"/>
+                  <a:pt x="688770" y="102799"/>
+                  <a:pt x="661181" y="84406"/>
+                </a:cubicBezTo>
+                <a:lnTo>
+                  <a:pt x="576775" y="28136"/>
+                </a:lnTo>
+                <a:cubicBezTo>
+                  <a:pt x="539261" y="32825"/>
+                  <a:pt x="500445" y="31340"/>
+                  <a:pt x="464234" y="42203"/>
+                </a:cubicBezTo>
+                <a:cubicBezTo>
+                  <a:pt x="451530" y="46014"/>
+                  <a:pt x="447471" y="63515"/>
+                  <a:pt x="436098" y="70339"/>
+                </a:cubicBezTo>
+                <a:cubicBezTo>
+                  <a:pt x="423383" y="77968"/>
+                  <a:pt x="407963" y="79717"/>
+                  <a:pt x="393895" y="84406"/>
+                </a:cubicBezTo>
+                <a:cubicBezTo>
+                  <a:pt x="379827" y="79717"/>
+                  <a:pt x="366167" y="73556"/>
+                  <a:pt x="351692" y="70339"/>
+                </a:cubicBezTo>
+                <a:cubicBezTo>
+                  <a:pt x="323848" y="64151"/>
+                  <a:pt x="294346" y="65291"/>
+                  <a:pt x="267286" y="56271"/>
+                </a:cubicBezTo>
+                <a:cubicBezTo>
+                  <a:pt x="167275" y="22934"/>
+                  <a:pt x="185224" y="9378"/>
+                  <a:pt x="168812" y="0"/>
+                </a:cubicBezTo>
+                <a:close/>
+              </a:path>
+            </a:pathLst>
+          </a:custGeom>
+          <a:solidFill>
+            <a:schemeClr val="bg1"/>
+          </a:solidFill>
+        </p:spPr>
+        <p:style>
+          <a:lnRef idx="2">
+            <a:schemeClr val="accent1">
+              <a:shade val="50%"/>
+            </a:schemeClr>
+          </a:lnRef>
+          <a:fillRef idx="1">
+            <a:schemeClr val="accent1"/>
+          </a:fillRef>
+          <a:effectRef idx="0">
+            <a:schemeClr val="accent1"/>
+          </a:effectRef>
+          <a:fontRef idx="minor">
+            <a:schemeClr val="lt1"/>
+          </a:fontRef>
+        </p:style>
+        <p:txBody>
+          <a:bodyPr rtlCol="0" anchor="ctr"/>
+          <a:lstStyle/>
+          <a:p>
+            <a:pPr algn="ctr"/>
+            <a:r>
+              <a:rPr lang="en-GB" dirty="0" err="1">
+                <a:solidFill>
+                  <a:schemeClr val="tx1"/>
+                </a:solidFill>
+              </a:rPr>
+              <a:t>Wenv</a:t>
+            </a:r>
+            <a:r>
+              <a:rPr lang="en-GB" dirty="0">
+                <a:solidFill>
+                  <a:schemeClr val="tx1"/>
+                </a:solidFill>
+              </a:rPr>
+              <a:t> client</a:t>
+            </a:r>
+          </a:p>
+        </p:txBody>
+      </p:sp>
+      <p:sp>
+        <p:nvSpPr>
+          <p:cNvPr id="37" name="CasellaDiTesto 65">
+            <a:extLst>
+              <a:ext uri="{FF2B5EF4-FFF2-40B4-BE49-F238E27FC236}">
+                <a16:creationId xmlns:a16="http://schemas.microsoft.com/office/drawing/2014/main" id="{5219E75B-55A7-4FEF-BBA4-175BED0C20E2}"/>
+              </a:ext>
+            </a:extLst>
+          </p:cNvPr>
+          <p:cNvSpPr txBox="1"/>
+          <p:nvPr/>
+        </p:nvSpPr>
+        <p:spPr>
+          <a:xfrm>
+            <a:off x="7850316" y="2520552"/>
+            <a:ext cx="1561453" cy="400110"/>
+          </a:xfrm>
+          <a:prstGeom prst="rect">
+            <a:avLst/>
+          </a:prstGeom>
+          <a:noFill/>
+        </p:spPr>
+        <p:txBody>
+          <a:bodyPr wrap="none" rtlCol="0">
+            <a:spAutoFit/>
+          </a:bodyPr>
+          <a:lstStyle/>
+          <a:p>
+            <a:r>
+              <a:rPr lang="it-IT" sz="2000" dirty="0"/>
+              <a:t>Procedure</a:t>
+            </a:r>
+            <a:r>
+              <a:rPr lang="it-IT" sz="1600" dirty="0"/>
+              <a:t> </a:t>
+            </a:r>
+            <a:r>
+              <a:rPr lang="it-IT" sz="2000" dirty="0"/>
+              <a:t>Call</a:t>
+            </a:r>
+            <a:endParaRPr lang="en-GB" sz="2000" dirty="0"/>
+          </a:p>
+        </p:txBody>
+      </p:sp>
+      <p:cxnSp>
+        <p:nvCxnSpPr>
+          <p:cNvPr id="38" name="Connettore 2 9">
+            <a:extLst>
+              <a:ext uri="{FF2B5EF4-FFF2-40B4-BE49-F238E27FC236}">
+                <a16:creationId xmlns:a16="http://schemas.microsoft.com/office/drawing/2014/main" id="{C49FBA8F-2305-4E7C-9523-8EEE37426B57}"/>
+              </a:ext>
+            </a:extLst>
+          </p:cNvPr>
+          <p:cNvCxnSpPr/>
+          <p:nvPr/>
+        </p:nvCxnSpPr>
+        <p:spPr>
+          <a:xfrm>
+            <a:off x="7035668" y="2720607"/>
+            <a:ext cx="699082" cy="0"/>
+          </a:xfrm>
+          <a:prstGeom prst="straightConnector1">
+            <a:avLst/>
+          </a:prstGeom>
+          <a:ln>
+            <a:tailEnd type="arrow"/>
+          </a:ln>
+        </p:spPr>
+        <p:style>
+          <a:lnRef idx="1">
+            <a:schemeClr val="accent1"/>
+          </a:lnRef>
+          <a:fillRef idx="0">
+            <a:schemeClr val="accent1"/>
+          </a:fillRef>
+          <a:effectRef idx="0">
+            <a:schemeClr val="accent1"/>
+          </a:effectRef>
+          <a:fontRef idx="minor">
+            <a:schemeClr val="tx1"/>
+          </a:fontRef>
+        </p:style>
+      </p:cxnSp>
+      <p:grpSp>
+        <p:nvGrpSpPr>
+          <p:cNvPr id="39" name="Gruppo 40">
+            <a:extLst>
+              <a:ext uri="{FF2B5EF4-FFF2-40B4-BE49-F238E27FC236}">
+                <a16:creationId xmlns:a16="http://schemas.microsoft.com/office/drawing/2014/main" id="{F34FAE50-D261-47C8-8EB5-B75C02D9C3FC}"/>
+              </a:ext>
+            </a:extLst>
+          </p:cNvPr>
+          <p:cNvGrpSpPr/>
+          <p:nvPr/>
+        </p:nvGrpSpPr>
+        <p:grpSpPr>
+          <a:xfrm>
+            <a:off x="7003431" y="3785366"/>
+            <a:ext cx="592487" cy="258092"/>
+            <a:chOff x="5133975" y="5295900"/>
+            <a:chExt cx="342900" cy="238125"/>
+          </a:xfrm>
+        </p:grpSpPr>
+        <p:sp>
+          <p:nvSpPr>
+            <p:cNvPr id="40" name="Figura a mano libera 41">
+              <a:extLst>
+                <a:ext uri="{FF2B5EF4-FFF2-40B4-BE49-F238E27FC236}">
+                  <a16:creationId xmlns:a16="http://schemas.microsoft.com/office/drawing/2014/main" id="{EB6B3A31-2E1D-443E-AF3B-544D1860773D}"/>
+                </a:ext>
+              </a:extLst>
+            </p:cNvPr>
+            <p:cNvSpPr/>
+            <p:nvPr/>
+          </p:nvSpPr>
+          <p:spPr>
+            <a:xfrm>
+              <a:off x="5133975" y="5295900"/>
+              <a:ext cx="342900" cy="238125"/>
+            </a:xfrm>
+            <a:custGeom>
+              <a:avLst/>
+              <a:gdLst>
+                <a:gd name="connsiteX0" fmla="*/ 0 w 342900"/>
+                <a:gd name="connsiteY0" fmla="*/ 142875 h 238125"/>
+                <a:gd name="connsiteX1" fmla="*/ 28575 w 342900"/>
+                <a:gd name="connsiteY1" fmla="*/ 38100 h 238125"/>
+                <a:gd name="connsiteX2" fmla="*/ 47625 w 342900"/>
+                <a:gd name="connsiteY2" fmla="*/ 9525 h 238125"/>
+                <a:gd name="connsiteX3" fmla="*/ 76200 w 342900"/>
+                <a:gd name="connsiteY3" fmla="*/ 0 h 238125"/>
+                <a:gd name="connsiteX4" fmla="*/ 104775 w 342900"/>
+                <a:gd name="connsiteY4" fmla="*/ 9525 h 238125"/>
+                <a:gd name="connsiteX5" fmla="*/ 142875 w 342900"/>
+                <a:gd name="connsiteY5" fmla="*/ 95250 h 238125"/>
+                <a:gd name="connsiteX6" fmla="*/ 161925 w 342900"/>
+                <a:gd name="connsiteY6" fmla="*/ 152400 h 238125"/>
+                <a:gd name="connsiteX7" fmla="*/ 171450 w 342900"/>
+                <a:gd name="connsiteY7" fmla="*/ 180975 h 238125"/>
+                <a:gd name="connsiteX8" fmla="*/ 209550 w 342900"/>
+                <a:gd name="connsiteY8" fmla="*/ 238125 h 238125"/>
+                <a:gd name="connsiteX9" fmla="*/ 238125 w 342900"/>
+                <a:gd name="connsiteY9" fmla="*/ 180975 h 238125"/>
+                <a:gd name="connsiteX10" fmla="*/ 266700 w 342900"/>
+                <a:gd name="connsiteY10" fmla="*/ 104775 h 238125"/>
+                <a:gd name="connsiteX11" fmla="*/ 342900 w 342900"/>
+                <a:gd name="connsiteY11" fmla="*/ 85725 h 238125"/>
+              </a:gdLst>
+              <a:ahLst/>
+              <a:cxnLst>
+                <a:cxn ang="0">
+                  <a:pos x="connsiteX0" y="connsiteY0"/>
+                </a:cxn>
+                <a:cxn ang="0">
+                  <a:pos x="connsiteX1" y="connsiteY1"/>
+                </a:cxn>
+                <a:cxn ang="0">
+                  <a:pos x="connsiteX2" y="connsiteY2"/>
+                </a:cxn>
+                <a:cxn ang="0">
+                  <a:pos x="connsiteX3" y="connsiteY3"/>
+                </a:cxn>
+                <a:cxn ang="0">
+                  <a:pos x="connsiteX4" y="connsiteY4"/>
+                </a:cxn>
+                <a:cxn ang="0">
+                  <a:pos x="connsiteX5" y="connsiteY5"/>
+                </a:cxn>
+                <a:cxn ang="0">
+                  <a:pos x="connsiteX6" y="connsiteY6"/>
+                </a:cxn>
+                <a:cxn ang="0">
+                  <a:pos x="connsiteX7" y="connsiteY7"/>
+                </a:cxn>
+                <a:cxn ang="0">
+                  <a:pos x="connsiteX8" y="connsiteY8"/>
+                </a:cxn>
+                <a:cxn ang="0">
+                  <a:pos x="connsiteX9" y="connsiteY9"/>
+                </a:cxn>
+                <a:cxn ang="0">
+                  <a:pos x="connsiteX10" y="connsiteY10"/>
+                </a:cxn>
+                <a:cxn ang="0">
+                  <a:pos x="connsiteX11" y="connsiteY11"/>
+                </a:cxn>
+              </a:cxnLst>
+              <a:rect l="l" t="t" r="r" b="b"/>
+              <a:pathLst>
+                <a:path w="342900" h="238125">
+                  <a:moveTo>
+                    <a:pt x="0" y="142875"/>
+                  </a:moveTo>
+                  <a:cubicBezTo>
+                    <a:pt x="5112" y="117315"/>
+                    <a:pt x="14764" y="58817"/>
+                    <a:pt x="28575" y="38100"/>
+                  </a:cubicBezTo>
+                  <a:cubicBezTo>
+                    <a:pt x="34925" y="28575"/>
+                    <a:pt x="38686" y="16676"/>
+                    <a:pt x="47625" y="9525"/>
+                  </a:cubicBezTo>
+                  <a:cubicBezTo>
+                    <a:pt x="55465" y="3253"/>
+                    <a:pt x="66675" y="3175"/>
+                    <a:pt x="76200" y="0"/>
+                  </a:cubicBezTo>
+                  <a:cubicBezTo>
+                    <a:pt x="85725" y="3175"/>
+                    <a:pt x="96935" y="3253"/>
+                    <a:pt x="104775" y="9525"/>
+                  </a:cubicBezTo>
+                  <a:cubicBezTo>
+                    <a:pt x="125358" y="25992"/>
+                    <a:pt x="137054" y="77787"/>
+                    <a:pt x="142875" y="95250"/>
+                  </a:cubicBezTo>
+                  <a:lnTo>
+                    <a:pt x="161925" y="152400"/>
+                  </a:lnTo>
+                  <a:cubicBezTo>
+                    <a:pt x="165100" y="161925"/>
+                    <a:pt x="169481" y="171130"/>
+                    <a:pt x="171450" y="180975"/>
+                  </a:cubicBezTo>
+                  <a:cubicBezTo>
+                    <a:pt x="182944" y="238445"/>
+                    <a:pt x="165616" y="223480"/>
+                    <a:pt x="209550" y="238125"/>
+                  </a:cubicBezTo>
+                  <a:cubicBezTo>
+                    <a:pt x="228174" y="210189"/>
+                    <a:pt x="230238" y="212523"/>
+                    <a:pt x="238125" y="180975"/>
+                  </a:cubicBezTo>
+                  <a:cubicBezTo>
+                    <a:pt x="243105" y="161054"/>
+                    <a:pt x="243471" y="119293"/>
+                    <a:pt x="266700" y="104775"/>
+                  </a:cubicBezTo>
+                  <a:cubicBezTo>
+                    <a:pt x="300393" y="83717"/>
+                    <a:pt x="313092" y="85725"/>
+                    <a:pt x="342900" y="85725"/>
+                  </a:cubicBezTo>
+                </a:path>
+              </a:pathLst>
+            </a:custGeom>
+            <a:noFill/>
+            <a:ln>
+              <a:solidFill>
+                <a:srgbClr val="C00000"/>
+              </a:solidFill>
+            </a:ln>
+          </p:spPr>
+          <p:style>
+            <a:lnRef idx="2">
+              <a:schemeClr val="accent1">
+                <a:shade val="50%"/>
+              </a:schemeClr>
+            </a:lnRef>
+            <a:fillRef idx="1">
+              <a:schemeClr val="accent1"/>
+            </a:fillRef>
+            <a:effectRef idx="0">
+              <a:schemeClr val="accent1"/>
+            </a:effectRef>
+            <a:fontRef idx="minor">
+              <a:schemeClr val="lt1"/>
+            </a:fontRef>
+          </p:style>
+          <p:txBody>
+            <a:bodyPr rtlCol="0" anchor="ctr"/>
+            <a:lstStyle/>
+            <a:p>
+              <a:pPr algn="ctr"/>
+              <a:endParaRPr lang="it-IT"/>
+            </a:p>
+          </p:txBody>
+        </p:sp>
+        <p:sp>
+          <p:nvSpPr>
+            <p:cNvPr id="41" name="Figura a mano libera 42">
+              <a:extLst>
+                <a:ext uri="{FF2B5EF4-FFF2-40B4-BE49-F238E27FC236}">
+                  <a16:creationId xmlns:a16="http://schemas.microsoft.com/office/drawing/2014/main" id="{CA6543C1-05C9-44C1-BE00-656BE29AEE30}"/>
+                </a:ext>
+              </a:extLst>
+            </p:cNvPr>
+            <p:cNvSpPr/>
+            <p:nvPr/>
+          </p:nvSpPr>
+          <p:spPr>
+            <a:xfrm>
+              <a:off x="5400675" y="5353050"/>
+              <a:ext cx="66675" cy="38100"/>
+            </a:xfrm>
+            <a:custGeom>
+              <a:avLst/>
+              <a:gdLst>
+                <a:gd name="connsiteX0" fmla="*/ 66675 w 66675"/>
+                <a:gd name="connsiteY0" fmla="*/ 38100 h 38100"/>
+                <a:gd name="connsiteX1" fmla="*/ 0 w 66675"/>
+                <a:gd name="connsiteY1" fmla="*/ 0 h 38100"/>
+              </a:gdLst>
+              <a:ahLst/>
+              <a:cxnLst>
+                <a:cxn ang="0">
+                  <a:pos x="connsiteX0" y="connsiteY0"/>
+                </a:cxn>
+                <a:cxn ang="0">
+                  <a:pos x="connsiteX1" y="connsiteY1"/>
+                </a:cxn>
+              </a:cxnLst>
+              <a:rect l="l" t="t" r="r" b="b"/>
+              <a:pathLst>
+                <a:path w="66675" h="38100">
+                  <a:moveTo>
+                    <a:pt x="66675" y="38100"/>
+                  </a:moveTo>
+                  <a:cubicBezTo>
+                    <a:pt x="12962" y="5872"/>
+                    <a:pt x="35609" y="17804"/>
+                    <a:pt x="0" y="0"/>
+                  </a:cubicBezTo>
+                </a:path>
+              </a:pathLst>
+            </a:custGeom>
+            <a:noFill/>
+            <a:ln>
+              <a:solidFill>
+                <a:srgbClr val="C00000"/>
+              </a:solidFill>
+            </a:ln>
+          </p:spPr>
+          <p:style>
+            <a:lnRef idx="2">
+              <a:schemeClr val="accent1">
+                <a:shade val="50%"/>
+              </a:schemeClr>
+            </a:lnRef>
+            <a:fillRef idx="1">
+              <a:schemeClr val="accent1"/>
+            </a:fillRef>
+            <a:effectRef idx="0">
+              <a:schemeClr val="accent1"/>
+            </a:effectRef>
+            <a:fontRef idx="minor">
+              <a:schemeClr val="lt1"/>
+            </a:fontRef>
+          </p:style>
+          <p:txBody>
+            <a:bodyPr rtlCol="0" anchor="ctr"/>
+            <a:lstStyle/>
+            <a:p>
+              <a:pPr algn="ctr"/>
+              <a:endParaRPr lang="it-IT"/>
+            </a:p>
+          </p:txBody>
+        </p:sp>
+        <p:sp>
+          <p:nvSpPr>
+            <p:cNvPr id="42" name="Figura a mano libera 44">
+              <a:extLst>
+                <a:ext uri="{FF2B5EF4-FFF2-40B4-BE49-F238E27FC236}">
+                  <a16:creationId xmlns:a16="http://schemas.microsoft.com/office/drawing/2014/main" id="{F6002E6E-23B8-4ADD-9F9D-526F502D2E46}"/>
+                </a:ext>
+              </a:extLst>
+            </p:cNvPr>
+            <p:cNvSpPr/>
+            <p:nvPr/>
+          </p:nvSpPr>
+          <p:spPr>
+            <a:xfrm>
+              <a:off x="5419725" y="5381625"/>
+              <a:ext cx="47625" cy="57150"/>
+            </a:xfrm>
+            <a:custGeom>
+              <a:avLst/>
+              <a:gdLst>
+                <a:gd name="connsiteX0" fmla="*/ 47625 w 47625"/>
+                <a:gd name="connsiteY0" fmla="*/ 0 h 57150"/>
+                <a:gd name="connsiteX1" fmla="*/ 0 w 47625"/>
+                <a:gd name="connsiteY1" fmla="*/ 57150 h 57150"/>
+              </a:gdLst>
+              <a:ahLst/>
+              <a:cxnLst>
+                <a:cxn ang="0">
+                  <a:pos x="connsiteX0" y="connsiteY0"/>
+                </a:cxn>
+                <a:cxn ang="0">
+                  <a:pos x="connsiteX1" y="connsiteY1"/>
+                </a:cxn>
+              </a:cxnLst>
+              <a:rect l="l" t="t" r="r" b="b"/>
+              <a:pathLst>
+                <a:path w="47625" h="57150">
+                  <a:moveTo>
+                    <a:pt x="47625" y="0"/>
+                  </a:moveTo>
+                  <a:cubicBezTo>
+                    <a:pt x="15397" y="53713"/>
+                    <a:pt x="35609" y="39346"/>
+                    <a:pt x="0" y="57150"/>
+                  </a:cubicBezTo>
+                </a:path>
+              </a:pathLst>
+            </a:custGeom>
+            <a:noFill/>
+            <a:ln>
+              <a:solidFill>
+                <a:srgbClr val="C00000"/>
+              </a:solidFill>
+            </a:ln>
+          </p:spPr>
+          <p:style>
+            <a:lnRef idx="2">
+              <a:schemeClr val="accent1">
+                <a:shade val="50%"/>
+              </a:schemeClr>
+            </a:lnRef>
+            <a:fillRef idx="1">
+              <a:schemeClr val="accent1"/>
+            </a:fillRef>
+            <a:effectRef idx="0">
+              <a:schemeClr val="accent1"/>
+            </a:effectRef>
+            <a:fontRef idx="minor">
+              <a:schemeClr val="lt1"/>
+            </a:fontRef>
+          </p:style>
+          <p:txBody>
+            <a:bodyPr rtlCol="0" anchor="ctr"/>
+            <a:lstStyle/>
+            <a:p>
+              <a:pPr algn="ctr"/>
+              <a:endParaRPr lang="it-IT"/>
+            </a:p>
+          </p:txBody>
+        </p:sp>
+      </p:grpSp>
+      <p:sp>
+        <p:nvSpPr>
+          <p:cNvPr id="43" name="CasellaDiTesto 45">
+            <a:extLst>
+              <a:ext uri="{FF2B5EF4-FFF2-40B4-BE49-F238E27FC236}">
+                <a16:creationId xmlns:a16="http://schemas.microsoft.com/office/drawing/2014/main" id="{FCFD9BC1-EC80-4BF9-BAD0-B69B08A38F85}"/>
+              </a:ext>
+            </a:extLst>
+          </p:cNvPr>
+          <p:cNvSpPr txBox="1"/>
+          <p:nvPr/>
+        </p:nvSpPr>
+        <p:spPr>
+          <a:xfrm>
+            <a:off x="7882264" y="3688548"/>
+            <a:ext cx="714939" cy="400110"/>
+          </a:xfrm>
+          <a:prstGeom prst="rect">
+            <a:avLst/>
+          </a:prstGeom>
+          <a:noFill/>
+        </p:spPr>
+        <p:txBody>
+          <a:bodyPr wrap="none" rtlCol="0">
+            <a:spAutoFit/>
+          </a:bodyPr>
+          <a:lstStyle/>
+          <a:p>
+            <a:r>
+              <a:rPr lang="it-IT" sz="2000" dirty="0" err="1"/>
+              <a:t>Event</a:t>
+            </a:r>
+            <a:endParaRPr lang="en-GB" sz="2000" dirty="0"/>
+          </a:p>
+        </p:txBody>
+      </p:sp>
+      <p:sp>
+        <p:nvSpPr>
+          <p:cNvPr id="44" name="CasellaDiTesto 46">
+            <a:extLst>
+              <a:ext uri="{FF2B5EF4-FFF2-40B4-BE49-F238E27FC236}">
+                <a16:creationId xmlns:a16="http://schemas.microsoft.com/office/drawing/2014/main" id="{E971EDDD-B189-4118-BB2C-06D4B28606D3}"/>
+              </a:ext>
+            </a:extLst>
+          </p:cNvPr>
+          <p:cNvSpPr txBox="1"/>
+          <p:nvPr/>
+        </p:nvSpPr>
+        <p:spPr>
+          <a:xfrm>
+            <a:off x="7882264" y="2825409"/>
+            <a:ext cx="995209" cy="400110"/>
+          </a:xfrm>
+          <a:prstGeom prst="rect">
+            <a:avLst/>
+          </a:prstGeom>
+          <a:noFill/>
+        </p:spPr>
+        <p:txBody>
+          <a:bodyPr wrap="none" rtlCol="0">
+            <a:spAutoFit/>
+          </a:bodyPr>
+          <a:lstStyle/>
+          <a:p>
+            <a:r>
+              <a:rPr lang="it-IT" sz="2000" dirty="0" err="1"/>
+              <a:t>Dispatch</a:t>
+            </a:r>
+            <a:endParaRPr lang="en-GB" sz="2000" dirty="0"/>
+          </a:p>
+        </p:txBody>
+      </p:sp>
+      <p:sp>
+        <p:nvSpPr>
+          <p:cNvPr id="45" name="CasellaDiTesto 47">
+            <a:extLst>
+              <a:ext uri="{FF2B5EF4-FFF2-40B4-BE49-F238E27FC236}">
+                <a16:creationId xmlns:a16="http://schemas.microsoft.com/office/drawing/2014/main" id="{38DC7A27-6937-40C5-BDED-0E0E06446172}"/>
+              </a:ext>
+            </a:extLst>
+          </p:cNvPr>
+          <p:cNvSpPr txBox="1"/>
+          <p:nvPr/>
+        </p:nvSpPr>
+        <p:spPr>
+          <a:xfrm>
+            <a:off x="7865219" y="3127721"/>
+            <a:ext cx="933269" cy="400110"/>
+          </a:xfrm>
+          <a:prstGeom prst="rect">
+            <a:avLst/>
+          </a:prstGeom>
+          <a:noFill/>
+        </p:spPr>
+        <p:txBody>
+          <a:bodyPr wrap="none" rtlCol="0">
+            <a:spAutoFit/>
+          </a:bodyPr>
+          <a:lstStyle/>
+          <a:p>
+            <a:r>
+              <a:rPr lang="it-IT" sz="2000" dirty="0" err="1"/>
+              <a:t>Request</a:t>
+            </a:r>
+            <a:endParaRPr lang="en-GB" sz="2000" dirty="0"/>
+          </a:p>
+        </p:txBody>
+      </p:sp>
+      <p:grpSp>
+        <p:nvGrpSpPr>
+          <p:cNvPr id="46" name="Gruppo 48">
+            <a:extLst>
+              <a:ext uri="{FF2B5EF4-FFF2-40B4-BE49-F238E27FC236}">
+                <a16:creationId xmlns:a16="http://schemas.microsoft.com/office/drawing/2014/main" id="{19D66C5C-9BE5-4D9D-A434-56820D868E2C}"/>
+              </a:ext>
+            </a:extLst>
+          </p:cNvPr>
+          <p:cNvGrpSpPr/>
+          <p:nvPr/>
+        </p:nvGrpSpPr>
+        <p:grpSpPr>
+          <a:xfrm>
+            <a:off x="7003431" y="3552368"/>
+            <a:ext cx="666895" cy="86434"/>
+            <a:chOff x="4592177" y="4419530"/>
+            <a:chExt cx="666895" cy="86434"/>
+          </a:xfrm>
+        </p:grpSpPr>
+        <p:cxnSp>
+          <p:nvCxnSpPr>
+            <p:cNvPr id="47" name="Connettore 1 49">
+              <a:extLst>
+                <a:ext uri="{FF2B5EF4-FFF2-40B4-BE49-F238E27FC236}">
+                  <a16:creationId xmlns:a16="http://schemas.microsoft.com/office/drawing/2014/main" id="{CFAD8B38-3518-4712-AD91-4102008E3B58}"/>
+                </a:ext>
+              </a:extLst>
+            </p:cNvPr>
+            <p:cNvCxnSpPr/>
+            <p:nvPr/>
+          </p:nvCxnSpPr>
+          <p:spPr>
+            <a:xfrm>
+              <a:off x="4611000" y="4462747"/>
+              <a:ext cx="648072" cy="0"/>
+            </a:xfrm>
+            <a:prstGeom prst="line">
+              <a:avLst/>
+            </a:prstGeom>
+            <a:ln>
+              <a:prstDash val="dash"/>
+            </a:ln>
+          </p:spPr>
+          <p:style>
+            <a:lnRef idx="1">
+              <a:schemeClr val="accent1"/>
+            </a:lnRef>
+            <a:fillRef idx="0">
+              <a:schemeClr val="accent1"/>
+            </a:fillRef>
+            <a:effectRef idx="0">
+              <a:schemeClr val="accent1"/>
+            </a:effectRef>
+            <a:fontRef idx="minor">
+              <a:schemeClr val="tx1"/>
+            </a:fontRef>
+          </p:style>
+        </p:cxnSp>
+        <p:sp>
+          <p:nvSpPr>
+            <p:cNvPr id="48" name="Triangolo isoscele 50">
+              <a:extLst>
+                <a:ext uri="{FF2B5EF4-FFF2-40B4-BE49-F238E27FC236}">
+                  <a16:creationId xmlns:a16="http://schemas.microsoft.com/office/drawing/2014/main" id="{06AF5BA8-8F43-4E2C-97F3-0B62212962CA}"/>
+                </a:ext>
+              </a:extLst>
+            </p:cNvPr>
+            <p:cNvSpPr/>
+            <p:nvPr/>
+          </p:nvSpPr>
+          <p:spPr>
+            <a:xfrm rot="16200000">
+              <a:off x="4618592" y="4393115"/>
+              <a:ext cx="86434" cy="139263"/>
+            </a:xfrm>
+            <a:prstGeom prst="triangle">
+              <a:avLst/>
+            </a:prstGeom>
+            <a:solidFill>
+              <a:schemeClr val="bg1"/>
+            </a:solidFill>
+            <a:ln/>
+          </p:spPr>
+          <p:style>
+            <a:lnRef idx="1">
+              <a:schemeClr val="accent5"/>
+            </a:lnRef>
+            <a:fillRef idx="2">
+              <a:schemeClr val="accent5"/>
+            </a:fillRef>
+            <a:effectRef idx="1">
+              <a:schemeClr val="accent5"/>
+            </a:effectRef>
+            <a:fontRef idx="minor">
+              <a:schemeClr val="dk1"/>
+            </a:fontRef>
+          </p:style>
+          <p:txBody>
+            <a:bodyPr rtlCol="0" anchor="ctr"/>
+            <a:lstStyle/>
+            <a:p>
+              <a:pPr algn="ctr"/>
+              <a:endParaRPr lang="en-GB" sz="1200"/>
+            </a:p>
+          </p:txBody>
+        </p:sp>
+      </p:grpSp>
+      <p:sp>
+        <p:nvSpPr>
+          <p:cNvPr id="49" name="CasellaDiTesto 51">
+            <a:extLst>
+              <a:ext uri="{FF2B5EF4-FFF2-40B4-BE49-F238E27FC236}">
+                <a16:creationId xmlns:a16="http://schemas.microsoft.com/office/drawing/2014/main" id="{CCCCE7DA-424D-4A53-B95B-91B1AC1FBA3B}"/>
+              </a:ext>
+            </a:extLst>
+          </p:cNvPr>
+          <p:cNvSpPr txBox="1"/>
+          <p:nvPr/>
+        </p:nvSpPr>
+        <p:spPr>
+          <a:xfrm>
+            <a:off x="7882264" y="3401427"/>
+            <a:ext cx="721351" cy="400110"/>
+          </a:xfrm>
+          <a:prstGeom prst="rect">
+            <a:avLst/>
+          </a:prstGeom>
+          <a:noFill/>
+        </p:spPr>
+        <p:txBody>
+          <a:bodyPr wrap="none" rtlCol="0">
+            <a:spAutoFit/>
+          </a:bodyPr>
+          <a:lstStyle/>
+          <a:p>
+            <a:r>
+              <a:rPr lang="it-IT" sz="2000" dirty="0" err="1"/>
+              <a:t>Reply</a:t>
+            </a:r>
+            <a:endParaRPr lang="en-GB" sz="2000" dirty="0"/>
+          </a:p>
+        </p:txBody>
+      </p:sp>
+      <p:cxnSp>
+        <p:nvCxnSpPr>
+          <p:cNvPr id="50" name="Connettore 2 52">
+            <a:extLst>
+              <a:ext uri="{FF2B5EF4-FFF2-40B4-BE49-F238E27FC236}">
+                <a16:creationId xmlns:a16="http://schemas.microsoft.com/office/drawing/2014/main" id="{FFC0989D-56A1-446F-8209-39082945A170}"/>
+              </a:ext>
+            </a:extLst>
+          </p:cNvPr>
+          <p:cNvCxnSpPr/>
+          <p:nvPr/>
+        </p:nvCxnSpPr>
+        <p:spPr>
+          <a:xfrm>
+            <a:off x="6984879" y="3031500"/>
+            <a:ext cx="783259" cy="0"/>
+          </a:xfrm>
+          <a:prstGeom prst="straightConnector1">
+            <a:avLst/>
+          </a:prstGeom>
+          <a:ln>
+            <a:prstDash val="lgDash"/>
+            <a:tailEnd type="arrow"/>
+          </a:ln>
+        </p:spPr>
+        <p:style>
+          <a:lnRef idx="1">
+            <a:schemeClr val="accent1"/>
+          </a:lnRef>
+          <a:fillRef idx="0">
+            <a:schemeClr val="accent1"/>
+          </a:fillRef>
+          <a:effectRef idx="0">
+            <a:schemeClr val="accent1"/>
+          </a:effectRef>
+          <a:fontRef idx="minor">
+            <a:schemeClr val="tx1"/>
+          </a:fontRef>
+        </p:style>
+      </p:cxnSp>
+      <p:grpSp>
+        <p:nvGrpSpPr>
+          <p:cNvPr id="51" name="Gruppo 7">
+            <a:extLst>
+              <a:ext uri="{FF2B5EF4-FFF2-40B4-BE49-F238E27FC236}">
+                <a16:creationId xmlns:a16="http://schemas.microsoft.com/office/drawing/2014/main" id="{E77106C9-B3A5-4B94-A431-CB572D9D9822}"/>
+              </a:ext>
+            </a:extLst>
+          </p:cNvPr>
+          <p:cNvGrpSpPr/>
+          <p:nvPr/>
+        </p:nvGrpSpPr>
+        <p:grpSpPr>
+          <a:xfrm>
+            <a:off x="7035668" y="3284559"/>
+            <a:ext cx="787334" cy="86434"/>
+            <a:chOff x="3452446" y="4176616"/>
+            <a:chExt cx="787334" cy="86434"/>
+          </a:xfrm>
+        </p:grpSpPr>
+        <p:sp>
+          <p:nvSpPr>
+            <p:cNvPr id="52" name="Triangolo isoscele 55">
+              <a:extLst>
+                <a:ext uri="{FF2B5EF4-FFF2-40B4-BE49-F238E27FC236}">
+                  <a16:creationId xmlns:a16="http://schemas.microsoft.com/office/drawing/2014/main" id="{BF75A7EF-5534-4D34-9A7A-4191DF4916ED}"/>
+                </a:ext>
+              </a:extLst>
+            </p:cNvPr>
+            <p:cNvSpPr/>
+            <p:nvPr/>
+          </p:nvSpPr>
+          <p:spPr>
+            <a:xfrm rot="5400000" flipH="1">
+              <a:off x="4126932" y="4150201"/>
+              <a:ext cx="86434" cy="139263"/>
+            </a:xfrm>
+            <a:prstGeom prst="triangle">
+              <a:avLst/>
+            </a:prstGeom>
+            <a:solidFill>
+              <a:schemeClr val="bg1"/>
+            </a:solidFill>
+            <a:ln/>
+          </p:spPr>
+          <p:style>
+            <a:lnRef idx="1">
+              <a:schemeClr val="accent5"/>
+            </a:lnRef>
+            <a:fillRef idx="2">
+              <a:schemeClr val="accent5"/>
+            </a:fillRef>
+            <a:effectRef idx="1">
+              <a:schemeClr val="accent5"/>
+            </a:effectRef>
+            <a:fontRef idx="minor">
+              <a:schemeClr val="dk1"/>
+            </a:fontRef>
+          </p:style>
+          <p:txBody>
+            <a:bodyPr rtlCol="0" anchor="ctr"/>
+            <a:lstStyle/>
+            <a:p>
+              <a:pPr algn="ctr"/>
+              <a:endParaRPr lang="en-GB" sz="1200"/>
+            </a:p>
+          </p:txBody>
+        </p:sp>
+        <p:cxnSp>
+          <p:nvCxnSpPr>
+            <p:cNvPr id="53" name="Connettore 1 56">
+              <a:extLst>
+                <a:ext uri="{FF2B5EF4-FFF2-40B4-BE49-F238E27FC236}">
+                  <a16:creationId xmlns:a16="http://schemas.microsoft.com/office/drawing/2014/main" id="{7D4DF213-D550-49AE-85BA-E8899510C80B}"/>
+                </a:ext>
+              </a:extLst>
+            </p:cNvPr>
+            <p:cNvCxnSpPr>
+              <a:endCxn id="52" idx="3"/>
+            </p:cNvCxnSpPr>
+            <p:nvPr/>
+          </p:nvCxnSpPr>
+          <p:spPr>
+            <a:xfrm>
+              <a:off x="3452446" y="4219627"/>
+              <a:ext cx="648072" cy="206"/>
+            </a:xfrm>
+            <a:prstGeom prst="line">
+              <a:avLst/>
+            </a:prstGeom>
+          </p:spPr>
+          <p:style>
+            <a:lnRef idx="1">
+              <a:schemeClr val="accent1"/>
+            </a:lnRef>
+            <a:fillRef idx="0">
+              <a:schemeClr val="accent1"/>
+            </a:fillRef>
+            <a:effectRef idx="0">
+              <a:schemeClr val="accent1"/>
+            </a:effectRef>
+            <a:fontRef idx="minor">
+              <a:schemeClr val="tx1"/>
+            </a:fontRef>
+          </p:style>
+        </p:cxnSp>
+      </p:grpSp>
+    </p:spTree>
+    <p:extLst>
+      <p:ext uri="{BB962C8B-B14F-4D97-AF65-F5344CB8AC3E}">
+        <p14:creationId xmlns:p14="http://schemas.microsoft.com/office/powerpoint/2010/main" val="4235179080"/>
+      </p:ext>
+    </p:extLst>
+  </p:cSld>
+  <p:clrMapOvr>
+    <a:masterClrMapping/>
+  </p:clrMapOvr>
+</p:sld>
+</file>
+
 <file path=ppt/theme/theme1.xml><?xml version="1.0" encoding="utf-8"?>
 <a:theme xmlns:a="http://purl.oclc.org/ooxml/drawingml/main" name="Facet">
   <a:themeElements>
